--- a/PPT Presentation.pptx
+++ b/PPT Presentation.pptx
@@ -13472,10 +13472,10 @@
       </p:sp>
       <p:pic>
         <p:nvPicPr>
-          <p:cNvPr id="4" name="Image 3">
-            <a:extLst>
-              <a:ext uri="{FF2B5EF4-FFF2-40B4-BE49-F238E27FC236}">
-                <a16:creationId xmlns:a16="http://schemas.microsoft.com/office/drawing/2014/main" id="{58F2AE9B-A85C-953C-B661-57B7398A932F}"/>
+          <p:cNvPr id="5" name="Image 4">
+            <a:extLst>
+              <a:ext uri="{FF2B5EF4-FFF2-40B4-BE49-F238E27FC236}">
+                <a16:creationId xmlns:a16="http://schemas.microsoft.com/office/drawing/2014/main" id="{90B4EBB2-3681-DA48-FE1D-3EA867CA6A2A}"/>
               </a:ext>
             </a:extLst>
           </p:cNvPr>
@@ -13492,8 +13492,8 @@
         </p:blipFill>
         <p:spPr>
           <a:xfrm>
-            <a:off x="956238" y="2676494"/>
-            <a:ext cx="10325100" cy="3353352"/>
+            <a:off x="964160" y="2294816"/>
+            <a:ext cx="10263673" cy="3356421"/>
           </a:xfrm>
           <a:prstGeom prst="rect">
             <a:avLst/>
